--- a/CarbonFork Presentation.pptx
+++ b/CarbonFork Presentation.pptx
@@ -113,14 +113,6 @@
     </a:lvl9pPr>
   </p:defaultTextStyle>
 </p:presentation>
-</file>
-
-<file path=ppt/revisionInfo.xml><?xml version="1.0" encoding="utf-8"?>
-<p1510:revInfo xmlns:a="http://schemas.openxmlformats.org/drawingml/2006/main" xmlns:r="http://schemas.openxmlformats.org/officeDocument/2006/relationships" xmlns:p1510="http://schemas.microsoft.com/office/powerpoint/2015/10/main">
-  <p1510:revLst>
-    <p1510:client id="{6AEF82F1-81A5-4444-8CE3-70596EC18F1A}" v="765" dt="2025-09-21T15:10:07.604"/>
-  </p1510:revLst>
-</p1510:revInfo>
 </file>
 
 <file path=ppt/diagrams/colors1.xml><?xml version="1.0" encoding="utf-8"?>
@@ -13390,7 +13382,7 @@
         <p:spPr>
           <a:xfrm>
             <a:off x="1054732" y="2286000"/>
-            <a:ext cx="10073393" cy="2862322"/>
+            <a:ext cx="10073393" cy="3693319"/>
           </a:xfrm>
           <a:prstGeom prst="rect">
             <a:avLst/>
@@ -13460,6 +13452,20 @@
               <a:rPr lang="en-US" dirty="0"/>
               <a:t>to somehow make the measurements more accurate. This proved a massive challenge and took many hours.</a:t>
             </a:r>
+          </a:p>
+          <a:p>
+            <a:endParaRPr lang="en-US" dirty="0"/>
+          </a:p>
+          <a:p>
+            <a:r>
+              <a:rPr lang="en-US" b="1" dirty="0"/>
+              <a:t>Flask </a:t>
+            </a:r>
+            <a:r>
+              <a:rPr lang="en-US" dirty="0"/>
+              <a:t>is what we used for connected the front and backend, and we had lots of trouble transferring  images over flask, giving us a 400 error every time. </a:t>
+            </a:r>
+            <a:endParaRPr lang="en-US" b="1" dirty="0"/>
           </a:p>
         </p:txBody>
       </p:sp>
